--- a/Doku/externalFiles/SensorenSchema.pptx
+++ b/Doku/externalFiles/SensorenSchema.pptx
@@ -105,6 +105,11 @@
       </a:defRPr>
     </a:lvl9pPr>
   </p:defaultTextStyle>
+  <p:extLst>
+    <p:ext uri="{EFAFB233-063F-42B5-8137-9DF3F51BA10A}">
+      <p15:sldGuideLst xmlns:p15="http://schemas.microsoft.com/office/powerpoint/2012/main"/>
+    </p:ext>
+  </p:extLst>
 </p:presentation>
 </file>
 
@@ -255,7 +260,7 @@
           <a:p>
             <a:fld id="{819F87CC-964D-5145-A933-4D857E3966E8}" type="datetimeFigureOut">
               <a:rPr lang="de-DE" smtClean="0"/>
-              <a:t>14.11.21</a:t>
+              <a:t>22.11.21</a:t>
             </a:fld>
             <a:endParaRPr lang="de-DE"/>
           </a:p>
@@ -453,7 +458,7 @@
           <a:p>
             <a:fld id="{819F87CC-964D-5145-A933-4D857E3966E8}" type="datetimeFigureOut">
               <a:rPr lang="de-DE" smtClean="0"/>
-              <a:t>14.11.21</a:t>
+              <a:t>22.11.21</a:t>
             </a:fld>
             <a:endParaRPr lang="de-DE"/>
           </a:p>
@@ -661,7 +666,7 @@
           <a:p>
             <a:fld id="{819F87CC-964D-5145-A933-4D857E3966E8}" type="datetimeFigureOut">
               <a:rPr lang="de-DE" smtClean="0"/>
-              <a:t>14.11.21</a:t>
+              <a:t>22.11.21</a:t>
             </a:fld>
             <a:endParaRPr lang="de-DE"/>
           </a:p>
@@ -859,7 +864,7 @@
           <a:p>
             <a:fld id="{819F87CC-964D-5145-A933-4D857E3966E8}" type="datetimeFigureOut">
               <a:rPr lang="de-DE" smtClean="0"/>
-              <a:t>14.11.21</a:t>
+              <a:t>22.11.21</a:t>
             </a:fld>
             <a:endParaRPr lang="de-DE"/>
           </a:p>
@@ -1134,7 +1139,7 @@
           <a:p>
             <a:fld id="{819F87CC-964D-5145-A933-4D857E3966E8}" type="datetimeFigureOut">
               <a:rPr lang="de-DE" smtClean="0"/>
-              <a:t>14.11.21</a:t>
+              <a:t>22.11.21</a:t>
             </a:fld>
             <a:endParaRPr lang="de-DE"/>
           </a:p>
@@ -1399,7 +1404,7 @@
           <a:p>
             <a:fld id="{819F87CC-964D-5145-A933-4D857E3966E8}" type="datetimeFigureOut">
               <a:rPr lang="de-DE" smtClean="0"/>
-              <a:t>14.11.21</a:t>
+              <a:t>22.11.21</a:t>
             </a:fld>
             <a:endParaRPr lang="de-DE"/>
           </a:p>
@@ -1811,7 +1816,7 @@
           <a:p>
             <a:fld id="{819F87CC-964D-5145-A933-4D857E3966E8}" type="datetimeFigureOut">
               <a:rPr lang="de-DE" smtClean="0"/>
-              <a:t>14.11.21</a:t>
+              <a:t>22.11.21</a:t>
             </a:fld>
             <a:endParaRPr lang="de-DE"/>
           </a:p>
@@ -1952,7 +1957,7 @@
           <a:p>
             <a:fld id="{819F87CC-964D-5145-A933-4D857E3966E8}" type="datetimeFigureOut">
               <a:rPr lang="de-DE" smtClean="0"/>
-              <a:t>14.11.21</a:t>
+              <a:t>22.11.21</a:t>
             </a:fld>
             <a:endParaRPr lang="de-DE"/>
           </a:p>
@@ -2065,7 +2070,7 @@
           <a:p>
             <a:fld id="{819F87CC-964D-5145-A933-4D857E3966E8}" type="datetimeFigureOut">
               <a:rPr lang="de-DE" smtClean="0"/>
-              <a:t>14.11.21</a:t>
+              <a:t>22.11.21</a:t>
             </a:fld>
             <a:endParaRPr lang="de-DE"/>
           </a:p>
@@ -2376,7 +2381,7 @@
           <a:p>
             <a:fld id="{819F87CC-964D-5145-A933-4D857E3966E8}" type="datetimeFigureOut">
               <a:rPr lang="de-DE" smtClean="0"/>
-              <a:t>14.11.21</a:t>
+              <a:t>22.11.21</a:t>
             </a:fld>
             <a:endParaRPr lang="de-DE"/>
           </a:p>
@@ -2664,7 +2669,7 @@
           <a:p>
             <a:fld id="{819F87CC-964D-5145-A933-4D857E3966E8}" type="datetimeFigureOut">
               <a:rPr lang="de-DE" smtClean="0"/>
-              <a:t>14.11.21</a:t>
+              <a:t>22.11.21</a:t>
             </a:fld>
             <a:endParaRPr lang="de-DE"/>
           </a:p>
@@ -2905,7 +2910,7 @@
           <a:p>
             <a:fld id="{819F87CC-964D-5145-A933-4D857E3966E8}" type="datetimeFigureOut">
               <a:rPr lang="de-DE" smtClean="0"/>
-              <a:t>14.11.21</a:t>
+              <a:t>22.11.21</a:t>
             </a:fld>
             <a:endParaRPr lang="de-DE"/>
           </a:p>
@@ -3324,6 +3329,55 @@
       </p:grpSpPr>
       <p:sp>
         <p:nvSpPr>
+          <p:cNvPr id="28" name="Dreieck 27">
+            <a:extLst>
+              <a:ext uri="{FF2B5EF4-FFF2-40B4-BE49-F238E27FC236}">
+                <a16:creationId xmlns:a16="http://schemas.microsoft.com/office/drawing/2014/main" id="{534E0E94-1328-CC44-BC60-8BE948E13D69}"/>
+              </a:ext>
+            </a:extLst>
+          </p:cNvPr>
+          <p:cNvSpPr/>
+          <p:nvPr/>
+        </p:nvSpPr>
+        <p:spPr>
+          <a:xfrm rot="16200000">
+            <a:off x="10061621" y="2045554"/>
+            <a:ext cx="1348359" cy="2413638"/>
+          </a:xfrm>
+          <a:prstGeom prst="triangle">
+            <a:avLst/>
+          </a:prstGeom>
+          <a:solidFill>
+            <a:srgbClr val="FFC000"/>
+          </a:solidFill>
+        </p:spPr>
+        <p:style>
+          <a:lnRef idx="2">
+            <a:schemeClr val="accent1">
+              <a:shade val="50000"/>
+            </a:schemeClr>
+          </a:lnRef>
+          <a:fillRef idx="1">
+            <a:schemeClr val="accent1"/>
+          </a:fillRef>
+          <a:effectRef idx="0">
+            <a:schemeClr val="accent1"/>
+          </a:effectRef>
+          <a:fontRef idx="minor">
+            <a:schemeClr val="lt1"/>
+          </a:fontRef>
+        </p:style>
+        <p:txBody>
+          <a:bodyPr rtlCol="0" anchor="ctr"/>
+          <a:lstStyle/>
+          <a:p>
+            <a:pPr algn="ctr"/>
+            <a:endParaRPr lang="de-DE"/>
+          </a:p>
+        </p:txBody>
+      </p:sp>
+      <p:sp>
+        <p:nvSpPr>
           <p:cNvPr id="4" name="Abgerundetes Rechteck 3">
             <a:extLst>
               <a:ext uri="{FF2B5EF4-FFF2-40B4-BE49-F238E27FC236}">
@@ -3567,8 +3621,8 @@
         </p:nvCxnSpPr>
         <p:spPr>
           <a:xfrm flipH="1">
-            <a:off x="2716957" y="3126357"/>
-            <a:ext cx="1165836" cy="131613"/>
+            <a:off x="2716957" y="2987857"/>
+            <a:ext cx="1532956" cy="270113"/>
           </a:xfrm>
           <a:prstGeom prst="straightConnector1">
             <a:avLst/>
@@ -3609,8 +3663,8 @@
         </p:nvSpPr>
         <p:spPr>
           <a:xfrm>
-            <a:off x="3882793" y="2803191"/>
-            <a:ext cx="1845442" cy="646331"/>
+            <a:off x="4249913" y="2803191"/>
+            <a:ext cx="1111203" cy="369332"/>
           </a:xfrm>
           <a:prstGeom prst="rect">
             <a:avLst/>
@@ -3628,14 +3682,7 @@
             <a:pPr algn="ctr"/>
             <a:r>
               <a:rPr lang="de-DE" dirty="0"/>
-              <a:t>Ultraschallsensor </a:t>
-            </a:r>
-          </a:p>
-          <a:p>
-            <a:pPr algn="ctr"/>
-            <a:r>
-              <a:rPr lang="de-DE" dirty="0"/>
-              <a:t>HC-SR04</a:t>
+              <a:t>HC-SCR04</a:t>
             </a:r>
           </a:p>
         </p:txBody>
@@ -3654,10 +3701,10 @@
         </p:nvGrpSpPr>
         <p:grpSpPr>
           <a:xfrm>
-            <a:off x="9370036" y="2715650"/>
-            <a:ext cx="2249628" cy="1084451"/>
-            <a:chOff x="9362476" y="2672532"/>
-            <a:chExt cx="2249628" cy="1084451"/>
+            <a:off x="9420178" y="2590192"/>
+            <a:ext cx="2610440" cy="1332703"/>
+            <a:chOff x="9412618" y="2547074"/>
+            <a:chExt cx="2610440" cy="1332703"/>
           </a:xfrm>
         </p:grpSpPr>
         <p:grpSp>
@@ -3845,10 +3892,10 @@
           </p:nvGrpSpPr>
           <p:grpSpPr>
             <a:xfrm rot="931739">
-              <a:off x="9362476" y="2672532"/>
-              <a:ext cx="2249628" cy="1084451"/>
-              <a:chOff x="7597097" y="673654"/>
-              <a:chExt cx="2249628" cy="1084451"/>
+              <a:off x="9412618" y="2547074"/>
+              <a:ext cx="2610440" cy="1332703"/>
+              <a:chOff x="7638466" y="486522"/>
+              <a:chExt cx="2610440" cy="1332703"/>
             </a:xfrm>
           </p:grpSpPr>
           <p:sp>
@@ -3906,13 +3953,15 @@
               </p:cNvPr>
               <p:cNvCxnSpPr>
                 <a:cxnSpLocks/>
+                <a:stCxn id="7" idx="3"/>
+                <a:endCxn id="28" idx="4"/>
               </p:cNvCxnSpPr>
               <p:nvPr/>
             </p:nvCxnSpPr>
             <p:spPr>
               <a:xfrm rot="20668261" flipV="1">
-                <a:off x="7597097" y="673654"/>
-                <a:ext cx="2097885" cy="530131"/>
+                <a:off x="7638466" y="486522"/>
+                <a:ext cx="2431791" cy="679871"/>
               </a:xfrm>
               <a:prstGeom prst="line">
                 <a:avLst/>
@@ -3948,9 +3997,9 @@
               <p:nvPr/>
             </p:nvCxnSpPr>
             <p:spPr>
-              <a:xfrm flipV="1">
-                <a:off x="7706355" y="1468041"/>
-                <a:ext cx="2140370" cy="6897"/>
+              <a:xfrm rot="20668261">
+                <a:off x="7753300" y="1128258"/>
+                <a:ext cx="2495606" cy="690967"/>
               </a:xfrm>
               <a:prstGeom prst="line">
                 <a:avLst/>
@@ -4008,12 +4057,50 @@
           </p:sp>
         </p:grpSp>
       </p:grpSp>
-      <p:sp>
-        <p:nvSpPr>
-          <p:cNvPr id="145" name="Textfeld 144">
-            <a:extLst>
-              <a:ext uri="{FF2B5EF4-FFF2-40B4-BE49-F238E27FC236}">
-                <a16:creationId xmlns:a16="http://schemas.microsoft.com/office/drawing/2014/main" id="{71F6AA7F-E9F4-F242-BFCC-F4397F205C86}"/>
+      <p:cxnSp>
+        <p:nvCxnSpPr>
+          <p:cNvPr id="149" name="Gerade Verbindung 148">
+            <a:extLst>
+              <a:ext uri="{FF2B5EF4-FFF2-40B4-BE49-F238E27FC236}">
+                <a16:creationId xmlns:a16="http://schemas.microsoft.com/office/drawing/2014/main" id="{67A7743C-7A09-D74A-BB23-0B2C3A3CBD96}"/>
+              </a:ext>
+            </a:extLst>
+          </p:cNvPr>
+          <p:cNvCxnSpPr>
+            <a:cxnSpLocks/>
+          </p:cNvCxnSpPr>
+          <p:nvPr/>
+        </p:nvCxnSpPr>
+        <p:spPr>
+          <a:xfrm rot="11455092" flipV="1">
+            <a:off x="553618" y="3026732"/>
+            <a:ext cx="2140370" cy="6897"/>
+          </a:xfrm>
+          <a:prstGeom prst="line">
+            <a:avLst/>
+          </a:prstGeom>
+        </p:spPr>
+        <p:style>
+          <a:lnRef idx="1">
+            <a:schemeClr val="accent1"/>
+          </a:lnRef>
+          <a:fillRef idx="0">
+            <a:schemeClr val="accent1"/>
+          </a:fillRef>
+          <a:effectRef idx="0">
+            <a:schemeClr val="accent1"/>
+          </a:effectRef>
+          <a:fontRef idx="minor">
+            <a:schemeClr val="tx1"/>
+          </a:fontRef>
+        </p:style>
+      </p:cxnSp>
+      <p:sp>
+        <p:nvSpPr>
+          <p:cNvPr id="150" name="Textfeld 149">
+            <a:extLst>
+              <a:ext uri="{FF2B5EF4-FFF2-40B4-BE49-F238E27FC236}">
+                <a16:creationId xmlns:a16="http://schemas.microsoft.com/office/drawing/2014/main" id="{C7DBEAF1-A126-DB41-80AA-FD8A23532710}"/>
               </a:ext>
             </a:extLst>
           </p:cNvPr>
@@ -4022,8 +4109,8 @@
         </p:nvSpPr>
         <p:spPr>
           <a:xfrm>
-            <a:off x="3112168" y="6128084"/>
-            <a:ext cx="6149760" cy="369332"/>
+            <a:off x="1592155" y="3078952"/>
+            <a:ext cx="497252" cy="369332"/>
           </a:xfrm>
           <a:prstGeom prst="rect">
             <a:avLst/>
@@ -4038,195 +4125,618 @@
           <a:p>
             <a:r>
               <a:rPr lang="de-DE" dirty="0"/>
-              <a:t>Quelle Winkel: https://</a:t>
-            </a:r>
-            <a:r>
-              <a:rPr lang="de-DE" dirty="0" err="1"/>
-              <a:t>www.turais.de</a:t>
-            </a:r>
+              <a:t>30°</a:t>
+            </a:r>
+          </a:p>
+        </p:txBody>
+      </p:sp>
+      <p:sp>
+        <p:nvSpPr>
+          <p:cNvPr id="3" name="Dreieck 2">
+            <a:extLst>
+              <a:ext uri="{FF2B5EF4-FFF2-40B4-BE49-F238E27FC236}">
+                <a16:creationId xmlns:a16="http://schemas.microsoft.com/office/drawing/2014/main" id="{00E1313D-3E2C-F145-B936-7CE06441DAB9}"/>
+              </a:ext>
+            </a:extLst>
+          </p:cNvPr>
+          <p:cNvSpPr/>
+          <p:nvPr/>
+        </p:nvSpPr>
+        <p:spPr>
+          <a:xfrm rot="16200000">
+            <a:off x="9829141" y="2513274"/>
+            <a:ext cx="804334" cy="1476422"/>
+          </a:xfrm>
+          <a:prstGeom prst="triangle">
+            <a:avLst/>
+          </a:prstGeom>
+          <a:solidFill>
+            <a:srgbClr val="FF747B"/>
+          </a:solidFill>
+        </p:spPr>
+        <p:style>
+          <a:lnRef idx="2">
+            <a:schemeClr val="accent1">
+              <a:shade val="50000"/>
+            </a:schemeClr>
+          </a:lnRef>
+          <a:fillRef idx="1">
+            <a:schemeClr val="accent1"/>
+          </a:fillRef>
+          <a:effectRef idx="0">
+            <a:schemeClr val="accent1"/>
+          </a:effectRef>
+          <a:fontRef idx="minor">
+            <a:schemeClr val="lt1"/>
+          </a:fontRef>
+        </p:style>
+        <p:txBody>
+          <a:bodyPr rtlCol="0" anchor="ctr"/>
+          <a:lstStyle/>
+          <a:p>
+            <a:pPr algn="ctr"/>
+            <a:endParaRPr lang="de-DE"/>
+          </a:p>
+        </p:txBody>
+      </p:sp>
+      <p:cxnSp>
+        <p:nvCxnSpPr>
+          <p:cNvPr id="14" name="Gerade Verbindung 13">
+            <a:extLst>
+              <a:ext uri="{FF2B5EF4-FFF2-40B4-BE49-F238E27FC236}">
+                <a16:creationId xmlns:a16="http://schemas.microsoft.com/office/drawing/2014/main" id="{BDFEC30B-AC1A-344C-ABE0-6C8725C28BF9}"/>
+              </a:ext>
+            </a:extLst>
+          </p:cNvPr>
+          <p:cNvCxnSpPr/>
+          <p:nvPr/>
+        </p:nvCxnSpPr>
+        <p:spPr>
+          <a:xfrm>
+            <a:off x="10968024" y="4149099"/>
+            <a:ext cx="0" cy="293208"/>
+          </a:xfrm>
+          <a:prstGeom prst="line">
+            <a:avLst/>
+          </a:prstGeom>
+          <a:ln w="28575">
+            <a:solidFill>
+              <a:schemeClr val="tx1"/>
+            </a:solidFill>
+          </a:ln>
+        </p:spPr>
+        <p:style>
+          <a:lnRef idx="1">
+            <a:schemeClr val="accent1"/>
+          </a:lnRef>
+          <a:fillRef idx="0">
+            <a:schemeClr val="accent1"/>
+          </a:fillRef>
+          <a:effectRef idx="0">
+            <a:schemeClr val="accent1"/>
+          </a:effectRef>
+          <a:fontRef idx="minor">
+            <a:schemeClr val="tx1"/>
+          </a:fontRef>
+        </p:style>
+      </p:cxnSp>
+      <p:cxnSp>
+        <p:nvCxnSpPr>
+          <p:cNvPr id="35" name="Gerade Verbindung 34">
+            <a:extLst>
+              <a:ext uri="{FF2B5EF4-FFF2-40B4-BE49-F238E27FC236}">
+                <a16:creationId xmlns:a16="http://schemas.microsoft.com/office/drawing/2014/main" id="{D6652CD4-21C0-5145-B77F-24C85730C4F6}"/>
+              </a:ext>
+            </a:extLst>
+          </p:cNvPr>
+          <p:cNvCxnSpPr/>
+          <p:nvPr/>
+        </p:nvCxnSpPr>
+        <p:spPr>
+          <a:xfrm>
+            <a:off x="11941122" y="4149099"/>
+            <a:ext cx="0" cy="293208"/>
+          </a:xfrm>
+          <a:prstGeom prst="line">
+            <a:avLst/>
+          </a:prstGeom>
+          <a:ln w="28575">
+            <a:solidFill>
+              <a:schemeClr val="tx1"/>
+            </a:solidFill>
+          </a:ln>
+        </p:spPr>
+        <p:style>
+          <a:lnRef idx="1">
+            <a:schemeClr val="accent1"/>
+          </a:lnRef>
+          <a:fillRef idx="0">
+            <a:schemeClr val="accent1"/>
+          </a:fillRef>
+          <a:effectRef idx="0">
+            <a:schemeClr val="accent1"/>
+          </a:effectRef>
+          <a:fontRef idx="minor">
+            <a:schemeClr val="tx1"/>
+          </a:fontRef>
+        </p:style>
+      </p:cxnSp>
+      <p:cxnSp>
+        <p:nvCxnSpPr>
+          <p:cNvPr id="36" name="Gerade Verbindung 35">
+            <a:extLst>
+              <a:ext uri="{FF2B5EF4-FFF2-40B4-BE49-F238E27FC236}">
+                <a16:creationId xmlns:a16="http://schemas.microsoft.com/office/drawing/2014/main" id="{3C234BD7-FB5B-CF45-B9CF-E50A11DB5B2F}"/>
+              </a:ext>
+            </a:extLst>
+          </p:cNvPr>
+          <p:cNvCxnSpPr/>
+          <p:nvPr/>
+        </p:nvCxnSpPr>
+        <p:spPr>
+          <a:xfrm>
+            <a:off x="9552342" y="4066568"/>
+            <a:ext cx="0" cy="293208"/>
+          </a:xfrm>
+          <a:prstGeom prst="line">
+            <a:avLst/>
+          </a:prstGeom>
+          <a:ln w="28575">
+            <a:solidFill>
+              <a:schemeClr val="tx1"/>
+            </a:solidFill>
+          </a:ln>
+        </p:spPr>
+        <p:style>
+          <a:lnRef idx="1">
+            <a:schemeClr val="accent1"/>
+          </a:lnRef>
+          <a:fillRef idx="0">
+            <a:schemeClr val="accent1"/>
+          </a:fillRef>
+          <a:effectRef idx="0">
+            <a:schemeClr val="accent1"/>
+          </a:effectRef>
+          <a:fontRef idx="minor">
+            <a:schemeClr val="tx1"/>
+          </a:fontRef>
+        </p:style>
+      </p:cxnSp>
+      <p:cxnSp>
+        <p:nvCxnSpPr>
+          <p:cNvPr id="16" name="Gerade Verbindung mit Pfeil 15">
+            <a:extLst>
+              <a:ext uri="{FF2B5EF4-FFF2-40B4-BE49-F238E27FC236}">
+                <a16:creationId xmlns:a16="http://schemas.microsoft.com/office/drawing/2014/main" id="{9A52B553-2994-504D-A5B3-F95538D07A11}"/>
+              </a:ext>
+            </a:extLst>
+          </p:cNvPr>
+          <p:cNvCxnSpPr>
+            <a:cxnSpLocks/>
+          </p:cNvCxnSpPr>
+          <p:nvPr/>
+        </p:nvCxnSpPr>
+        <p:spPr>
+          <a:xfrm>
+            <a:off x="9528981" y="4242010"/>
+            <a:ext cx="1438290" cy="0"/>
+          </a:xfrm>
+          <a:prstGeom prst="straightConnector1">
+            <a:avLst/>
+          </a:prstGeom>
+          <a:ln w="28575">
+            <a:solidFill>
+              <a:schemeClr val="tx1"/>
+            </a:solidFill>
+            <a:headEnd type="triangle"/>
+            <a:tailEnd type="triangle"/>
+          </a:ln>
+        </p:spPr>
+        <p:style>
+          <a:lnRef idx="1">
+            <a:schemeClr val="accent1"/>
+          </a:lnRef>
+          <a:fillRef idx="0">
+            <a:schemeClr val="accent1"/>
+          </a:fillRef>
+          <a:effectRef idx="0">
+            <a:schemeClr val="accent1"/>
+          </a:effectRef>
+          <a:fontRef idx="minor">
+            <a:schemeClr val="tx1"/>
+          </a:fontRef>
+        </p:style>
+      </p:cxnSp>
+      <p:cxnSp>
+        <p:nvCxnSpPr>
+          <p:cNvPr id="39" name="Gerade Verbindung mit Pfeil 38">
+            <a:extLst>
+              <a:ext uri="{FF2B5EF4-FFF2-40B4-BE49-F238E27FC236}">
+                <a16:creationId xmlns:a16="http://schemas.microsoft.com/office/drawing/2014/main" id="{E4A6E67E-2A62-1D42-9173-655DC79F8A6A}"/>
+              </a:ext>
+            </a:extLst>
+          </p:cNvPr>
+          <p:cNvCxnSpPr>
+            <a:cxnSpLocks/>
+          </p:cNvCxnSpPr>
+          <p:nvPr/>
+        </p:nvCxnSpPr>
+        <p:spPr>
+          <a:xfrm>
+            <a:off x="10968024" y="4242010"/>
+            <a:ext cx="973098" cy="0"/>
+          </a:xfrm>
+          <a:prstGeom prst="straightConnector1">
+            <a:avLst/>
+          </a:prstGeom>
+          <a:ln w="28575">
+            <a:solidFill>
+              <a:schemeClr val="tx1"/>
+            </a:solidFill>
+            <a:headEnd type="triangle"/>
+            <a:tailEnd type="triangle"/>
+          </a:ln>
+        </p:spPr>
+        <p:style>
+          <a:lnRef idx="1">
+            <a:schemeClr val="accent1"/>
+          </a:lnRef>
+          <a:fillRef idx="0">
+            <a:schemeClr val="accent1"/>
+          </a:fillRef>
+          <a:effectRef idx="0">
+            <a:schemeClr val="accent1"/>
+          </a:effectRef>
+          <a:fontRef idx="minor">
+            <a:schemeClr val="tx1"/>
+          </a:fontRef>
+        </p:style>
+      </p:cxnSp>
+      <p:sp>
+        <p:nvSpPr>
+          <p:cNvPr id="46" name="Bogen 45">
+            <a:extLst>
+              <a:ext uri="{FF2B5EF4-FFF2-40B4-BE49-F238E27FC236}">
+                <a16:creationId xmlns:a16="http://schemas.microsoft.com/office/drawing/2014/main" id="{C3794258-D7FB-634B-9002-F655BB43C272}"/>
+              </a:ext>
+            </a:extLst>
+          </p:cNvPr>
+          <p:cNvSpPr/>
+          <p:nvPr/>
+        </p:nvSpPr>
+        <p:spPr>
+          <a:xfrm rot="13054281" flipH="1" flipV="1">
+            <a:off x="9782815" y="3035464"/>
+            <a:ext cx="502854" cy="518668"/>
+          </a:xfrm>
+          <a:prstGeom prst="arc">
+            <a:avLst/>
+          </a:prstGeom>
+          <a:solidFill>
+            <a:srgbClr val="FF747B"/>
+          </a:solidFill>
+          <a:ln>
+            <a:solidFill>
+              <a:schemeClr val="tx1"/>
+            </a:solidFill>
+          </a:ln>
+        </p:spPr>
+        <p:style>
+          <a:lnRef idx="2">
+            <a:schemeClr val="accent1">
+              <a:shade val="50000"/>
+            </a:schemeClr>
+          </a:lnRef>
+          <a:fillRef idx="1">
+            <a:schemeClr val="accent1"/>
+          </a:fillRef>
+          <a:effectRef idx="0">
+            <a:schemeClr val="accent1"/>
+          </a:effectRef>
+          <a:fontRef idx="minor">
+            <a:schemeClr val="lt1"/>
+          </a:fontRef>
+        </p:style>
+        <p:txBody>
+          <a:bodyPr rtlCol="0" anchor="ctr"/>
+          <a:lstStyle/>
+          <a:p>
+            <a:pPr algn="ctr"/>
+            <a:endParaRPr lang="de-DE">
+              <a:solidFill>
+                <a:schemeClr val="lt1"/>
+              </a:solidFill>
+            </a:endParaRPr>
+          </a:p>
+        </p:txBody>
+      </p:sp>
+      <p:sp>
+        <p:nvSpPr>
+          <p:cNvPr id="47" name="Textfeld 46">
+            <a:extLst>
+              <a:ext uri="{FF2B5EF4-FFF2-40B4-BE49-F238E27FC236}">
+                <a16:creationId xmlns:a16="http://schemas.microsoft.com/office/drawing/2014/main" id="{695E88D9-2B83-FB4D-9BE6-DC31C2E9D3A0}"/>
+              </a:ext>
+            </a:extLst>
+          </p:cNvPr>
+          <p:cNvSpPr txBox="1"/>
+          <p:nvPr/>
+        </p:nvSpPr>
+        <p:spPr>
+          <a:xfrm>
+            <a:off x="9808815" y="3081399"/>
+            <a:ext cx="497252" cy="369332"/>
+          </a:xfrm>
+          <a:prstGeom prst="rect">
+            <a:avLst/>
+          </a:prstGeom>
+          <a:noFill/>
+        </p:spPr>
+        <p:txBody>
+          <a:bodyPr wrap="none" rtlCol="0">
+            <a:spAutoFit/>
+          </a:bodyPr>
+          <a:lstStyle/>
+          <a:p>
             <a:r>
               <a:rPr lang="de-DE" dirty="0"/>
-              <a:t>/hcsr04-ultraschall-modul/</a:t>
-            </a:r>
-          </a:p>
-        </p:txBody>
-      </p:sp>
-      <p:grpSp>
-        <p:nvGrpSpPr>
-          <p:cNvPr id="146" name="Gruppieren 145">
-            <a:extLst>
-              <a:ext uri="{FF2B5EF4-FFF2-40B4-BE49-F238E27FC236}">
-                <a16:creationId xmlns:a16="http://schemas.microsoft.com/office/drawing/2014/main" id="{3D5910B1-6FE7-4343-BAD1-B627E07E87F1}"/>
-              </a:ext>
-            </a:extLst>
-          </p:cNvPr>
-          <p:cNvGrpSpPr/>
+              <a:t>30°</a:t>
+            </a:r>
+          </a:p>
+        </p:txBody>
+      </p:sp>
+      <p:sp>
+        <p:nvSpPr>
+          <p:cNvPr id="22" name="Textfeld 21">
+            <a:extLst>
+              <a:ext uri="{FF2B5EF4-FFF2-40B4-BE49-F238E27FC236}">
+                <a16:creationId xmlns:a16="http://schemas.microsoft.com/office/drawing/2014/main" id="{45B7734F-A5FB-6347-A270-4035E068ED07}"/>
+              </a:ext>
+            </a:extLst>
+          </p:cNvPr>
+          <p:cNvSpPr txBox="1"/>
           <p:nvPr/>
-        </p:nvGrpSpPr>
-        <p:grpSpPr>
-          <a:xfrm rot="11455092">
-            <a:off x="504215" y="2749285"/>
-            <a:ext cx="2249628" cy="1084451"/>
-            <a:chOff x="7597097" y="673654"/>
-            <a:chExt cx="2249628" cy="1084451"/>
+        </p:nvSpPr>
+        <p:spPr>
+          <a:xfrm>
+            <a:off x="9634946" y="3924134"/>
+            <a:ext cx="1140056" cy="369332"/>
           </a:xfrm>
-        </p:grpSpPr>
-        <p:sp>
-          <p:nvSpPr>
-            <p:cNvPr id="147" name="Bogen 146">
-              <a:extLst>
-                <a:ext uri="{FF2B5EF4-FFF2-40B4-BE49-F238E27FC236}">
-                  <a16:creationId xmlns:a16="http://schemas.microsoft.com/office/drawing/2014/main" id="{D5A30EDB-590F-2744-A574-4CC303BA305F}"/>
-                </a:ext>
-              </a:extLst>
-            </p:cNvPr>
-            <p:cNvSpPr/>
-            <p:nvPr/>
-          </p:nvSpPr>
-          <p:spPr>
-            <a:xfrm rot="975139">
-              <a:off x="8084909" y="974190"/>
-              <a:ext cx="765816" cy="783915"/>
-            </a:xfrm>
-            <a:prstGeom prst="arc">
-              <a:avLst/>
-            </a:prstGeom>
-          </p:spPr>
-          <p:style>
-            <a:lnRef idx="1">
-              <a:schemeClr val="accent1"/>
-            </a:lnRef>
-            <a:fillRef idx="0">
-              <a:schemeClr val="accent1"/>
-            </a:fillRef>
-            <a:effectRef idx="0">
-              <a:schemeClr val="accent1"/>
-            </a:effectRef>
-            <a:fontRef idx="minor">
+          <a:prstGeom prst="rect">
+            <a:avLst/>
+          </a:prstGeom>
+          <a:noFill/>
+        </p:spPr>
+        <p:txBody>
+          <a:bodyPr wrap="none" rtlCol="0">
+            <a:spAutoFit/>
+          </a:bodyPr>
+          <a:lstStyle/>
+          <a:p>
+            <a:r>
+              <a:rPr lang="de-DE" dirty="0"/>
+              <a:t>0,02-0,7m</a:t>
+            </a:r>
+          </a:p>
+        </p:txBody>
+      </p:sp>
+      <p:sp>
+        <p:nvSpPr>
+          <p:cNvPr id="49" name="Textfeld 48">
+            <a:extLst>
+              <a:ext uri="{FF2B5EF4-FFF2-40B4-BE49-F238E27FC236}">
+                <a16:creationId xmlns:a16="http://schemas.microsoft.com/office/drawing/2014/main" id="{0A8E6EE1-583A-CA4F-BD9B-21BBC896E308}"/>
+              </a:ext>
+            </a:extLst>
+          </p:cNvPr>
+          <p:cNvSpPr txBox="1"/>
+          <p:nvPr/>
+        </p:nvSpPr>
+        <p:spPr>
+          <a:xfrm>
+            <a:off x="10927656" y="3904789"/>
+            <a:ext cx="1023037" cy="369332"/>
+          </a:xfrm>
+          <a:prstGeom prst="rect">
+            <a:avLst/>
+          </a:prstGeom>
+          <a:noFill/>
+        </p:spPr>
+        <p:txBody>
+          <a:bodyPr wrap="none" rtlCol="0">
+            <a:spAutoFit/>
+          </a:bodyPr>
+          <a:lstStyle/>
+          <a:p>
+            <a:r>
+              <a:rPr lang="de-DE" dirty="0"/>
+              <a:t>0,7m-1,5</a:t>
+            </a:r>
+          </a:p>
+        </p:txBody>
+      </p:sp>
+      <p:sp>
+        <p:nvSpPr>
+          <p:cNvPr id="52" name="Dreieck 51">
+            <a:extLst>
+              <a:ext uri="{FF2B5EF4-FFF2-40B4-BE49-F238E27FC236}">
+                <a16:creationId xmlns:a16="http://schemas.microsoft.com/office/drawing/2014/main" id="{5FF77A9C-E8B4-3943-8C24-CC98A8D22020}"/>
+              </a:ext>
+            </a:extLst>
+          </p:cNvPr>
+          <p:cNvSpPr/>
+          <p:nvPr/>
+        </p:nvSpPr>
+        <p:spPr>
+          <a:xfrm rot="16200000" flipV="1">
+            <a:off x="758067" y="2013142"/>
+            <a:ext cx="1348359" cy="2448026"/>
+          </a:xfrm>
+          <a:prstGeom prst="triangle">
+            <a:avLst/>
+          </a:prstGeom>
+          <a:solidFill>
+            <a:srgbClr val="FFC000"/>
+          </a:solidFill>
+        </p:spPr>
+        <p:style>
+          <a:lnRef idx="2">
+            <a:schemeClr val="accent1">
+              <a:shade val="50000"/>
+            </a:schemeClr>
+          </a:lnRef>
+          <a:fillRef idx="1">
+            <a:schemeClr val="accent1"/>
+          </a:fillRef>
+          <a:effectRef idx="0">
+            <a:schemeClr val="accent1"/>
+          </a:effectRef>
+          <a:fontRef idx="minor">
+            <a:schemeClr val="lt1"/>
+          </a:fontRef>
+        </p:style>
+        <p:txBody>
+          <a:bodyPr rtlCol="0" anchor="ctr"/>
+          <a:lstStyle/>
+          <a:p>
+            <a:pPr algn="ctr"/>
+            <a:endParaRPr lang="de-DE"/>
+          </a:p>
+        </p:txBody>
+      </p:sp>
+      <p:sp>
+        <p:nvSpPr>
+          <p:cNvPr id="53" name="Dreieck 52">
+            <a:extLst>
+              <a:ext uri="{FF2B5EF4-FFF2-40B4-BE49-F238E27FC236}">
+                <a16:creationId xmlns:a16="http://schemas.microsoft.com/office/drawing/2014/main" id="{3EC98D5A-E048-E448-B820-F84F01F6EB68}"/>
+              </a:ext>
+            </a:extLst>
+          </p:cNvPr>
+          <p:cNvSpPr/>
+          <p:nvPr/>
+        </p:nvSpPr>
+        <p:spPr>
+          <a:xfrm rot="16200000" flipV="1">
+            <a:off x="1495957" y="2514016"/>
+            <a:ext cx="804334" cy="1444503"/>
+          </a:xfrm>
+          <a:prstGeom prst="triangle">
+            <a:avLst/>
+          </a:prstGeom>
+          <a:solidFill>
+            <a:srgbClr val="FF747B"/>
+          </a:solidFill>
+        </p:spPr>
+        <p:style>
+          <a:lnRef idx="2">
+            <a:schemeClr val="accent1">
+              <a:shade val="50000"/>
+            </a:schemeClr>
+          </a:lnRef>
+          <a:fillRef idx="1">
+            <a:schemeClr val="accent1"/>
+          </a:fillRef>
+          <a:effectRef idx="0">
+            <a:schemeClr val="accent1"/>
+          </a:effectRef>
+          <a:fontRef idx="minor">
+            <a:schemeClr val="lt1"/>
+          </a:fontRef>
+        </p:style>
+        <p:txBody>
+          <a:bodyPr rtlCol="0" anchor="ctr"/>
+          <a:lstStyle/>
+          <a:p>
+            <a:pPr algn="ctr"/>
+            <a:endParaRPr lang="de-DE" dirty="0"/>
+          </a:p>
+        </p:txBody>
+      </p:sp>
+      <p:sp>
+        <p:nvSpPr>
+          <p:cNvPr id="56" name="Bogen 55">
+            <a:extLst>
+              <a:ext uri="{FF2B5EF4-FFF2-40B4-BE49-F238E27FC236}">
+                <a16:creationId xmlns:a16="http://schemas.microsoft.com/office/drawing/2014/main" id="{F1A255F2-84F5-D540-BEBD-262AC159FC12}"/>
+              </a:ext>
+            </a:extLst>
+          </p:cNvPr>
+          <p:cNvSpPr/>
+          <p:nvPr/>
+        </p:nvSpPr>
+        <p:spPr>
+          <a:xfrm rot="7342801" flipV="1">
+            <a:off x="1742821" y="2913189"/>
+            <a:ext cx="537506" cy="518668"/>
+          </a:xfrm>
+          <a:prstGeom prst="arc">
+            <a:avLst/>
+          </a:prstGeom>
+          <a:ln w="19050">
+            <a:solidFill>
               <a:schemeClr val="tx1"/>
-            </a:fontRef>
-          </p:style>
-          <p:txBody>
-            <a:bodyPr rtlCol="0" anchor="ctr"/>
-            <a:lstStyle/>
-            <a:p>
-              <a:pPr algn="ctr"/>
-              <a:endParaRPr lang="de-DE"/>
-            </a:p>
-          </p:txBody>
-        </p:sp>
-        <p:cxnSp>
-          <p:nvCxnSpPr>
-            <p:cNvPr id="148" name="Gerade Verbindung 147">
-              <a:extLst>
-                <a:ext uri="{FF2B5EF4-FFF2-40B4-BE49-F238E27FC236}">
-                  <a16:creationId xmlns:a16="http://schemas.microsoft.com/office/drawing/2014/main" id="{9300AA8D-1080-E843-A699-839ED92F4C6C}"/>
-                </a:ext>
-              </a:extLst>
-            </p:cNvPr>
-            <p:cNvCxnSpPr>
-              <a:cxnSpLocks/>
-            </p:cNvCxnSpPr>
-            <p:nvPr/>
-          </p:nvCxnSpPr>
-          <p:spPr>
-            <a:xfrm rot="20668261" flipV="1">
-              <a:off x="7597097" y="673654"/>
-              <a:ext cx="2097885" cy="530131"/>
-            </a:xfrm>
-            <a:prstGeom prst="line">
-              <a:avLst/>
-            </a:prstGeom>
-          </p:spPr>
-          <p:style>
-            <a:lnRef idx="1">
-              <a:schemeClr val="accent1"/>
-            </a:lnRef>
-            <a:fillRef idx="0">
-              <a:schemeClr val="accent1"/>
-            </a:fillRef>
-            <a:effectRef idx="0">
-              <a:schemeClr val="accent1"/>
-            </a:effectRef>
-            <a:fontRef idx="minor">
-              <a:schemeClr val="tx1"/>
-            </a:fontRef>
-          </p:style>
-        </p:cxnSp>
-        <p:cxnSp>
-          <p:nvCxnSpPr>
-            <p:cNvPr id="149" name="Gerade Verbindung 148">
-              <a:extLst>
-                <a:ext uri="{FF2B5EF4-FFF2-40B4-BE49-F238E27FC236}">
-                  <a16:creationId xmlns:a16="http://schemas.microsoft.com/office/drawing/2014/main" id="{67A7743C-7A09-D74A-BB23-0B2C3A3CBD96}"/>
-                </a:ext>
-              </a:extLst>
-            </p:cNvPr>
-            <p:cNvCxnSpPr>
-              <a:cxnSpLocks/>
-            </p:cNvCxnSpPr>
-            <p:nvPr/>
-          </p:nvCxnSpPr>
-          <p:spPr>
-            <a:xfrm flipV="1">
-              <a:off x="7706355" y="1468041"/>
-              <a:ext cx="2140370" cy="6897"/>
-            </a:xfrm>
-            <a:prstGeom prst="line">
-              <a:avLst/>
-            </a:prstGeom>
-          </p:spPr>
-          <p:style>
-            <a:lnRef idx="1">
-              <a:schemeClr val="accent1"/>
-            </a:lnRef>
-            <a:fillRef idx="0">
-              <a:schemeClr val="accent1"/>
-            </a:fillRef>
-            <a:effectRef idx="0">
-              <a:schemeClr val="accent1"/>
-            </a:effectRef>
-            <a:fontRef idx="minor">
-              <a:schemeClr val="tx1"/>
-            </a:fontRef>
-          </p:style>
-        </p:cxnSp>
-        <p:sp>
-          <p:nvSpPr>
-            <p:cNvPr id="150" name="Textfeld 149">
-              <a:extLst>
-                <a:ext uri="{FF2B5EF4-FFF2-40B4-BE49-F238E27FC236}">
-                  <a16:creationId xmlns:a16="http://schemas.microsoft.com/office/drawing/2014/main" id="{C7DBEAF1-A126-DB41-80AA-FD8A23532710}"/>
-                </a:ext>
-              </a:extLst>
-            </p:cNvPr>
-            <p:cNvSpPr txBox="1"/>
-            <p:nvPr/>
-          </p:nvSpPr>
-          <p:spPr>
-            <a:xfrm rot="10144908">
-              <a:off x="8270649" y="1098708"/>
-              <a:ext cx="497252" cy="369332"/>
-            </a:xfrm>
-            <a:prstGeom prst="rect">
-              <a:avLst/>
-            </a:prstGeom>
-            <a:noFill/>
-          </p:spPr>
-          <p:txBody>
-            <a:bodyPr wrap="none" rtlCol="0">
-              <a:spAutoFit/>
-            </a:bodyPr>
-            <a:lstStyle/>
-            <a:p>
-              <a:r>
-                <a:rPr lang="de-DE" dirty="0"/>
-                <a:t>30°</a:t>
-              </a:r>
-            </a:p>
-          </p:txBody>
-        </p:sp>
-      </p:grpSp>
+            </a:solidFill>
+          </a:ln>
+        </p:spPr>
+        <p:style>
+          <a:lnRef idx="1">
+            <a:schemeClr val="accent1"/>
+          </a:lnRef>
+          <a:fillRef idx="0">
+            <a:schemeClr val="accent1"/>
+          </a:fillRef>
+          <a:effectRef idx="0">
+            <a:schemeClr val="accent1"/>
+          </a:effectRef>
+          <a:fontRef idx="minor">
+            <a:schemeClr val="tx1"/>
+          </a:fontRef>
+        </p:style>
+        <p:txBody>
+          <a:bodyPr rtlCol="0" anchor="ctr"/>
+          <a:lstStyle/>
+          <a:p>
+            <a:pPr algn="ctr"/>
+            <a:endParaRPr lang="de-DE"/>
+          </a:p>
+        </p:txBody>
+      </p:sp>
+      <p:sp>
+        <p:nvSpPr>
+          <p:cNvPr id="60" name="Textfeld 59">
+            <a:extLst>
+              <a:ext uri="{FF2B5EF4-FFF2-40B4-BE49-F238E27FC236}">
+                <a16:creationId xmlns:a16="http://schemas.microsoft.com/office/drawing/2014/main" id="{4A05CC4F-47EA-C945-BEB0-6FBC8386DBD2}"/>
+              </a:ext>
+            </a:extLst>
+          </p:cNvPr>
+          <p:cNvSpPr txBox="1"/>
+          <p:nvPr/>
+        </p:nvSpPr>
+        <p:spPr>
+          <a:xfrm>
+            <a:off x="1765993" y="3029926"/>
+            <a:ext cx="497252" cy="369332"/>
+          </a:xfrm>
+          <a:prstGeom prst="rect">
+            <a:avLst/>
+          </a:prstGeom>
+          <a:noFill/>
+        </p:spPr>
+        <p:txBody>
+          <a:bodyPr wrap="none" rtlCol="0">
+            <a:spAutoFit/>
+          </a:bodyPr>
+          <a:lstStyle/>
+          <a:p>
+            <a:r>
+              <a:rPr lang="de-DE" dirty="0"/>
+              <a:t>30°</a:t>
+            </a:r>
+          </a:p>
+        </p:txBody>
+      </p:sp>
     </p:spTree>
     <p:extLst>
       <p:ext uri="{BB962C8B-B14F-4D97-AF65-F5344CB8AC3E}">
